--- a/lectures3/Pythonlearn-02-Expressions.pptx
+++ b/lectures3/Pythonlearn-02-Expressions.pptx
@@ -5951,7 +5951,7 @@
               <a:buNone/>
             </a:pPr>
             <a:r>
-              <a:rPr lang="pl" sz="3200" b="0" i="0" u="none" strike="noStrike" cap="none" baseline="0">
+              <a:rPr lang="pl" sz="3200" b="0" i="0" u="none" strike="noStrike" cap="none" baseline="0" dirty="0">
                 <a:solidFill>
                   <a:srgbClr val="FFFF00"/>
                 </a:solidFill>
@@ -5973,25 +5973,14 @@
             </a:endParaRPr>
           </a:p>
           <a:p>
-            <a:pPr marL="0" marR="0" lvl="0" indent="0" algn="ctr" rtl="0">
-              <a:lnSpc>
-                <a:spcPct val="100000"/>
-              </a:lnSpc>
-              <a:spcBef>
-                <a:spcPts val="0"/>
-              </a:spcBef>
-              <a:spcAft>
-                <a:spcPts val="0"/>
-              </a:spcAft>
+            <a:pPr algn="ctr">
               <a:buClr>
                 <a:srgbClr val="FFFF00"/>
               </a:buClr>
               <a:buSzPct val="25000"/>
-              <a:buFont typeface="Cabin"/>
-              <a:buNone/>
-            </a:pPr>
-            <a:r>
-              <a:rPr lang="pl" sz="3200" b="0" i="0" u="sng" strike="noStrike" cap="none" baseline="0">
+            </a:pPr>
+            <a:r>
+              <a:rPr lang="pl" sz="3200" b="0" i="0" u="sng" strike="noStrike" cap="none" baseline="0" dirty="0">
                 <a:solidFill>
                   <a:srgbClr val="FFFF00"/>
                 </a:solidFill>
@@ -6001,9 +5990,22 @@
                 <a:sym typeface="Cabin"/>
                 <a:hlinkClick r:id="rId3"/>
               </a:rPr>
-              <a:t>www.py4e.com</a:t>
-            </a:r>
-            <a:endParaRPr lang="pl" sz="3200" u="sng" strike="noStrike" cap="none" dirty="0">
+              <a:t>www.py4e.</a:t>
+            </a:r>
+            <a:r>
+              <a:rPr lang="en-US" sz="3200" b="0" i="0" u="sng" strike="noStrike" cap="none" baseline="0">
+                <a:solidFill>
+                  <a:srgbClr val="FFFF00"/>
+                </a:solidFill>
+                <a:latin typeface="Arial" charset="0"/>
+                <a:ea typeface="Arial" charset="0"/>
+                <a:cs typeface="Arial" charset="0"/>
+                <a:sym typeface="Cabin"/>
+                <a:hlinkClick r:id="rId3"/>
+              </a:rPr>
+              <a:t>pl</a:t>
+            </a:r>
+            <a:endParaRPr lang="pl" sz="3200" u="sng">
               <a:solidFill>
                 <a:srgbClr val="FFFF00"/>
               </a:solidFill>
@@ -6011,7 +6013,6 @@
               <a:ea typeface="Arial" charset="0"/>
               <a:cs typeface="Arial" charset="0"/>
               <a:sym typeface="Cabin"/>
-              <a:hlinkClick r:id="rId3"/>
             </a:endParaRPr>
           </a:p>
         </p:txBody>
@@ -6263,7 +6264,7 @@
         <p:spPr>
           <a:xfrm>
             <a:off x="7137400" y="5499100"/>
-            <a:ext cx="5208599" cy="2336700"/>
+            <a:ext cx="7820546" cy="2336700"/>
           </a:xfrm>
           <a:prstGeom prst="rect">
             <a:avLst/>
@@ -6297,7 +6298,7 @@
               <a:buNone/>
             </a:pPr>
             <a:r>
-              <a:rPr lang="pl" sz="3000" b="0" i="0" u="none" strike="noStrike" cap="none" baseline="0">
+              <a:rPr lang="pl" sz="3000" b="0" i="0" u="none" strike="noStrike" cap="none" baseline="0" dirty="0">
                 <a:solidFill>
                   <a:srgbClr val="00FF00"/>
                 </a:solidFill>
@@ -6328,7 +6329,7 @@
               <a:buNone/>
             </a:pPr>
             <a:r>
-              <a:rPr lang="pl" sz="3000" b="0" i="0" u="none" strike="noStrike" cap="none" baseline="0">
+              <a:rPr lang="pl" sz="3000" b="0" i="0" u="none" strike="noStrike" cap="none" baseline="0" dirty="0">
                 <a:solidFill>
                   <a:srgbClr val="00FF00"/>
                 </a:solidFill>
@@ -6359,7 +6360,7 @@
               <a:buNone/>
             </a:pPr>
             <a:r>
-              <a:rPr lang="pl" sz="3000" b="0" i="0" u="none" strike="noStrike" cap="none" baseline="0">
+              <a:rPr lang="pl" sz="3000" b="0" i="0" u="none" strike="noStrike" cap="none" baseline="0" dirty="0">
                 <a:solidFill>
                   <a:srgbClr val="00FF00"/>
                 </a:solidFill>
@@ -6390,7 +6391,7 @@
               <a:buNone/>
             </a:pPr>
             <a:r>
-              <a:rPr lang="pl" sz="3000" b="0" i="0" u="none" strike="noStrike" cap="none" baseline="0">
+              <a:rPr lang="pl" sz="3000" b="0" i="0" u="none" strike="noStrike" cap="none" baseline="0" dirty="0">
                 <a:solidFill>
                   <a:srgbClr val="00FF00"/>
                 </a:solidFill>
@@ -15303,7 +15304,7 @@
               </a:rPr>
             </a:br>
             <a:r>
-              <a:rPr lang="pl" sz="3600" b="0" i="0" u="none" strike="noStrike" cap="none" baseline="0" dirty="0">
+              <a:rPr lang="en-US" sz="3600" b="0" i="0" u="none" strike="noStrike" cap="none" baseline="0" dirty="0" err="1">
                 <a:solidFill>
                   <a:schemeClr val="lt1"/>
                 </a:solidFill>
@@ -15312,10 +15313,10 @@
                 <a:cs typeface="Arial" charset="0"/>
                 <a:sym typeface="Cabin"/>
               </a:rPr>
-              <a:t>pojedyncze</a:t>
-            </a:r>
-            <a:r>
-              <a:rPr lang="pl" sz="3600" b="0" i="0" u="none" baseline="0" dirty="0">
+              <a:t>apostrofy</a:t>
+            </a:r>
+            <a:r>
+              <a:rPr lang="pl" sz="3600" b="0" i="0" u="none" strike="noStrike" cap="none" baseline="0" dirty="0">
                 <a:solidFill>
                   <a:schemeClr val="lt1"/>
                 </a:solidFill>
@@ -15324,7 +15325,19 @@
                 <a:cs typeface="Arial" charset="0"/>
                 <a:sym typeface="Cabin"/>
               </a:rPr>
-              <a:t> </a:t>
+              <a:t> (</a:t>
+            </a:r>
+            <a:r>
+              <a:rPr lang="pl" sz="3600" b="0" i="0" u="none" strike="noStrike" cap="none" baseline="0" dirty="0">
+                <a:solidFill>
+                  <a:srgbClr val="FF40FF"/>
+                </a:solidFill>
+                <a:latin typeface="Courier"/>
+                <a:ea typeface="Courier"/>
+                <a:cs typeface="Courier"/>
+                <a:sym typeface="Courier New"/>
+              </a:rPr>
+              <a:t>'</a:t>
             </a:r>
             <a:r>
               <a:rPr lang="pl" sz="3600" b="0" i="0" u="none" strike="noStrike" cap="none" baseline="0" dirty="0">
@@ -15336,7 +15349,7 @@
                 <a:cs typeface="Arial" charset="0"/>
                 <a:sym typeface="Cabin"/>
               </a:rPr>
-              <a:t> (‚)</a:t>
+              <a:t>)</a:t>
             </a:r>
             <a:r>
               <a:rPr lang="pl" sz="3600" b="0" i="0" baseline="0" dirty="0">
@@ -15360,10 +15373,10 @@
                 <a:cs typeface="Arial" charset="0"/>
                 <a:sym typeface="Cabin"/>
               </a:rPr>
-              <a:t>lub podwójne</a:t>
-            </a:r>
-            <a:r>
-              <a:rPr lang="pl" sz="3600" b="0" i="0" u="none" baseline="0" dirty="0">
+              <a:t>lub</a:t>
+            </a:r>
+            <a:r>
+              <a:rPr lang="en-US" sz="3600" b="0" i="0" u="none" strike="noStrike" cap="none" baseline="0" dirty="0">
                 <a:solidFill>
                   <a:schemeClr val="lt1"/>
                 </a:solidFill>
@@ -15374,8 +15387,8 @@
               </a:rPr>
               <a:t> </a:t>
             </a:r>
-            <a:br>
-              <a:rPr lang="pl" sz="3600" b="0" i="0" u="none" baseline="0" dirty="0">
+            <a:r>
+              <a:rPr lang="pl" sz="3600" b="0" i="0" u="none" strike="noStrike" cap="none" baseline="0" dirty="0">
                 <a:solidFill>
                   <a:schemeClr val="lt1"/>
                 </a:solidFill>
@@ -15384,7 +15397,20 @@
                 <a:cs typeface="Arial" charset="0"/>
                 <a:sym typeface="Cabin"/>
               </a:rPr>
-            </a:br>
+              <a:t>cudzysłowy (</a:t>
+            </a:r>
+            <a:r>
+              <a:rPr lang="en-US" sz="3600" b="0" i="0" u="none" strike="noStrike" cap="none" baseline="0" dirty="0">
+                <a:solidFill>
+                  <a:srgbClr val="FF40FF"/>
+                </a:solidFill>
+                <a:latin typeface="Courier"/>
+                <a:ea typeface="Courier"/>
+                <a:cs typeface="Courier"/>
+                <a:sym typeface="Courier New"/>
+              </a:rPr>
+              <a:t>"</a:t>
+            </a:r>
             <a:r>
               <a:rPr lang="pl" sz="3600" b="0" i="0" u="none" strike="noStrike" cap="none" baseline="0" dirty="0">
                 <a:solidFill>
@@ -15395,7 +15421,7 @@
                 <a:cs typeface="Arial" charset="0"/>
                 <a:sym typeface="Cabin"/>
               </a:rPr>
-              <a:t>cudzysłowy (")</a:t>
+              <a:t>)</a:t>
             </a:r>
             <a:br>
               <a:rPr lang="pl" sz="3600" u="none" strike="noStrike" cap="none" dirty="0">
@@ -15428,7 +15454,7 @@
         </p:nvSpPr>
         <p:spPr>
           <a:xfrm>
-            <a:off x="10115550" y="5041900"/>
+            <a:off x="9719765" y="5041900"/>
             <a:ext cx="5986463" cy="3125787"/>
           </a:xfrm>
           <a:prstGeom prst="rect">
@@ -15463,7 +15489,7 @@
               <a:buNone/>
             </a:pPr>
             <a:r>
-              <a:rPr lang="pl" sz="3000" b="0" i="0" u="none" strike="noStrike" cap="none" baseline="0">
+              <a:rPr lang="pl" sz="3000" b="0" i="0" u="none" strike="noStrike" cap="none" baseline="0" dirty="0">
                 <a:solidFill>
                   <a:schemeClr val="lt1"/>
                 </a:solidFill>
@@ -15475,7 +15501,7 @@
               <a:t>&gt;&gt;&gt; </a:t>
             </a:r>
             <a:r>
-              <a:rPr lang="pl" sz="3000" b="0" i="0" u="none" strike="noStrike" cap="none" baseline="0">
+              <a:rPr lang="pl" sz="3000" b="0" i="0" u="none" strike="noStrike" cap="none" baseline="0" dirty="0">
                 <a:solidFill>
                   <a:srgbClr val="FFFF00"/>
                 </a:solidFill>
@@ -15487,7 +15513,7 @@
               <a:t>print(</a:t>
             </a:r>
             <a:r>
-              <a:rPr lang="pl" sz="3000" b="0" i="0" u="none" strike="noStrike" cap="none" baseline="0">
+              <a:rPr lang="pl" sz="3000" b="0" i="0" u="none" strike="noStrike" cap="none" baseline="0" dirty="0">
                 <a:solidFill>
                   <a:srgbClr val="FF9900"/>
                 </a:solidFill>
@@ -15499,7 +15525,7 @@
               <a:t>123</a:t>
             </a:r>
             <a:r>
-              <a:rPr lang="pl" sz="3000" b="0" i="0" u="none" strike="noStrike" cap="none" baseline="0">
+              <a:rPr lang="pl" sz="3000" b="0" i="0" u="none" strike="noStrike" cap="none" baseline="0" dirty="0">
                 <a:solidFill>
                   <a:srgbClr val="FFFF00"/>
                 </a:solidFill>
@@ -15539,7 +15565,7 @@
               <a:buNone/>
             </a:pPr>
             <a:r>
-              <a:rPr lang="pl" sz="3000" b="0" i="0" u="none" strike="noStrike" cap="none" baseline="0">
+              <a:rPr lang="pl" sz="3000" b="0" i="0" u="none" strike="noStrike" cap="none" baseline="0" dirty="0">
                 <a:solidFill>
                   <a:schemeClr val="lt1"/>
                 </a:solidFill>
@@ -15559,7 +15585,7 @@
               <a:buSzPct val="25000"/>
             </a:pPr>
             <a:r>
-              <a:rPr lang="pl" sz="3000" b="0" i="0" u="none" strike="noStrike" cap="none" baseline="0">
+              <a:rPr lang="pl" sz="3000" b="0" i="0" u="none" strike="noStrike" cap="none" baseline="0" dirty="0">
                 <a:solidFill>
                   <a:schemeClr val="lt1"/>
                 </a:solidFill>
@@ -15571,7 +15597,7 @@
               <a:t>&gt;&gt;&gt; </a:t>
             </a:r>
             <a:r>
-              <a:rPr lang="pl" sz="3000" b="0" i="0" u="none" strike="noStrike" cap="none" baseline="0">
+              <a:rPr lang="pl" sz="3000" b="0" i="0" u="none" strike="noStrike" cap="none" baseline="0" dirty="0">
                 <a:solidFill>
                   <a:srgbClr val="FFFF00"/>
                 </a:solidFill>
@@ -15583,7 +15609,7 @@
               <a:t>print(</a:t>
             </a:r>
             <a:r>
-              <a:rPr lang="pl" sz="3000" b="0" i="0" u="none" strike="noStrike" cap="none" baseline="0">
+              <a:rPr lang="pl" sz="3000" b="0" i="0" u="none" strike="noStrike" cap="none" baseline="0" dirty="0">
                 <a:solidFill>
                   <a:srgbClr val="FF9900"/>
                 </a:solidFill>
@@ -15595,7 +15621,7 @@
               <a:t>98.6</a:t>
             </a:r>
             <a:r>
-              <a:rPr lang="pl" sz="3000" b="0" i="0" u="none" baseline="0">
+              <a:rPr lang="pl" sz="3000" b="0" i="0" u="none" baseline="0" dirty="0">
                 <a:solidFill>
                   <a:srgbClr val="FFFF00"/>
                 </a:solidFill>
@@ -15635,7 +15661,7 @@
               <a:buNone/>
             </a:pPr>
             <a:r>
-              <a:rPr lang="pl" sz="3000" b="0" i="0" u="none" strike="noStrike" cap="none" baseline="0">
+              <a:rPr lang="pl" sz="3000" b="0" i="0" u="none" strike="noStrike" cap="none" baseline="0" dirty="0">
                 <a:solidFill>
                   <a:schemeClr val="lt1"/>
                 </a:solidFill>
@@ -15655,7 +15681,7 @@
               <a:buSzPct val="25000"/>
             </a:pPr>
             <a:r>
-              <a:rPr lang="pl" sz="3000" b="0" i="0" u="none" strike="noStrike" cap="none" baseline="0">
+              <a:rPr lang="pl" sz="3000" b="0" i="0" u="none" strike="noStrike" cap="none" baseline="0" dirty="0">
                 <a:solidFill>
                   <a:schemeClr val="lt1"/>
                 </a:solidFill>
@@ -15667,7 +15693,7 @@
               <a:t>&gt;&gt;&gt;</a:t>
             </a:r>
             <a:r>
-              <a:rPr lang="pl" sz="3000" b="0" i="0" u="none" strike="noStrike" cap="none" baseline="0">
+              <a:rPr lang="pl" sz="3000" b="0" i="0" u="none" strike="noStrike" cap="none" baseline="0" dirty="0">
                 <a:solidFill>
                   <a:srgbClr val="FFFF00"/>
                 </a:solidFill>
@@ -15679,7 +15705,7 @@
               <a:t> print(</a:t>
             </a:r>
             <a:r>
-              <a:rPr lang="pl" sz="3000" b="0" i="0" u="none" strike="noStrike" cap="none" baseline="0">
+              <a:rPr lang="pl" sz="3000" b="0" i="0" u="none" strike="noStrike" cap="none" baseline="0" dirty="0">
                 <a:solidFill>
                   <a:srgbClr val="FF9900"/>
                 </a:solidFill>
@@ -15691,7 +15717,7 @@
               <a:t>'Witaj świecie'</a:t>
             </a:r>
             <a:r>
-              <a:rPr lang="pl" sz="3000" b="0" i="0" u="none" baseline="0">
+              <a:rPr lang="pl" sz="3000" b="0" i="0" u="none" baseline="0" dirty="0">
                 <a:solidFill>
                   <a:srgbClr val="FFFF00"/>
                 </a:solidFill>
@@ -15731,7 +15757,7 @@
               <a:buNone/>
             </a:pPr>
             <a:r>
-              <a:rPr lang="pl" sz="3000" b="0" i="0" u="none" strike="noStrike" cap="none" baseline="0">
+              <a:rPr lang="pl" sz="3000" b="0" i="0" u="none" strike="noStrike" cap="none" baseline="0" dirty="0">
                 <a:solidFill>
                   <a:schemeClr val="lt1"/>
                 </a:solidFill>
@@ -19752,7 +19778,43 @@
                 <a:cs typeface="Arial" charset="0"/>
                 <a:sym typeface="Cabin"/>
               </a:rPr>
-              <a:t>funkcjami int() i float()</a:t>
+              <a:t>funkcjami </a:t>
+            </a:r>
+            <a:r>
+              <a:rPr lang="pl" sz="3600" b="0" i="0" u="none" strike="noStrike" cap="none" baseline="0" dirty="0">
+                <a:solidFill>
+                  <a:srgbClr val="00FA00"/>
+                </a:solidFill>
+                <a:latin typeface="Arial" charset="0"/>
+                <a:ea typeface="Arial" charset="0"/>
+                <a:cs typeface="Arial" charset="0"/>
+                <a:sym typeface="Cabin"/>
+              </a:rPr>
+              <a:t>int()</a:t>
+            </a:r>
+            <a:r>
+              <a:rPr lang="pl" sz="3600" b="0" i="0" u="none" strike="noStrike" cap="none" baseline="0" dirty="0">
+                <a:solidFill>
+                  <a:schemeClr val="lt1"/>
+                </a:solidFill>
+                <a:latin typeface="Arial" charset="0"/>
+                <a:ea typeface="Arial" charset="0"/>
+                <a:cs typeface="Arial" charset="0"/>
+                <a:sym typeface="Cabin"/>
+              </a:rPr>
+              <a:t> i </a:t>
+            </a:r>
+            <a:r>
+              <a:rPr lang="pl" sz="3600" b="0" i="0" u="none" strike="noStrike" cap="none" baseline="0" dirty="0">
+                <a:solidFill>
+                  <a:srgbClr val="00FA00"/>
+                </a:solidFill>
+                <a:latin typeface="Arial" charset="0"/>
+                <a:ea typeface="Arial" charset="0"/>
+                <a:cs typeface="Arial" charset="0"/>
+                <a:sym typeface="Cabin"/>
+              </a:rPr>
+              <a:t>float()</a:t>
             </a:r>
           </a:p>
         </p:txBody>
@@ -23102,8 +23164,8 @@
         </p:nvSpPr>
         <p:spPr>
           <a:xfrm>
-            <a:off x="812800" y="2133600"/>
-            <a:ext cx="7245350" cy="6034087"/>
+            <a:off x="812800" y="2634018"/>
+            <a:ext cx="7245350" cy="5533669"/>
           </a:xfrm>
           <a:prstGeom prst="rect">
             <a:avLst/>
@@ -23190,8 +23252,8 @@
         </p:nvSpPr>
         <p:spPr>
           <a:xfrm>
-            <a:off x="8862999" y="3683000"/>
-            <a:ext cx="6831899" cy="1778100"/>
+            <a:off x="8502555" y="3683000"/>
+            <a:ext cx="7605794" cy="1778100"/>
           </a:xfrm>
           <a:prstGeom prst="rect">
             <a:avLst/>
@@ -23225,7 +23287,7 @@
               <a:buNone/>
             </a:pPr>
             <a:r>
-              <a:rPr lang="pl" sz="2800" b="0" i="0" u="none" strike="noStrike" cap="none" baseline="0">
+              <a:rPr lang="pl" sz="2800" b="0" i="0" u="none" strike="noStrike" cap="none" baseline="0" dirty="0">
                 <a:solidFill>
                   <a:srgbClr val="00FF00"/>
                 </a:solidFill>
@@ -23237,7 +23299,7 @@
               <a:t>inp</a:t>
             </a:r>
             <a:r>
-              <a:rPr lang="pl" sz="2800" b="0" i="0" u="none" strike="noStrike" cap="none" baseline="0">
+              <a:rPr lang="pl" sz="2800" b="0" i="0" u="none" strike="noStrike" cap="none" baseline="0" dirty="0">
                 <a:solidFill>
                   <a:schemeClr val="lt1"/>
                 </a:solidFill>
@@ -23249,7 +23311,7 @@
               <a:t> = </a:t>
             </a:r>
             <a:r>
-              <a:rPr lang="pl" sz="2800" b="0" i="0" u="none" strike="noStrike" cap="none" baseline="0">
+              <a:rPr lang="pl" sz="2800" b="0" i="0" u="none" strike="noStrike" cap="none" baseline="0" dirty="0">
                 <a:solidFill>
                   <a:srgbClr val="FFFF00"/>
                 </a:solidFill>
@@ -23261,7 +23323,7 @@
               <a:t>input(</a:t>
             </a:r>
             <a:r>
-              <a:rPr lang="pl" sz="2800" b="0" i="0" u="none" baseline="0">
+              <a:rPr lang="pl" sz="2800" b="0" i="0" u="none" baseline="0" dirty="0">
                 <a:solidFill>
                   <a:schemeClr val="lt1"/>
                 </a:solidFill>
@@ -23273,7 +23335,7 @@
               <a:t>'</a:t>
             </a:r>
             <a:r>
-              <a:rPr lang="pl" sz="2800" b="0" i="0" u="none" strike="noStrike" cap="none" baseline="0">
+              <a:rPr lang="pl" sz="2800" b="0" i="0" u="none" strike="noStrike" cap="none" baseline="0" dirty="0">
                 <a:solidFill>
                   <a:schemeClr val="lt1"/>
                 </a:solidFill>
@@ -23285,7 +23347,19 @@
               <a:t>Europejskie piętro?</a:t>
             </a:r>
             <a:r>
-              <a:rPr lang="pl" sz="2800" b="0" i="0" u="none" baseline="0">
+              <a:rPr lang="en-US" sz="2800" b="0" i="0" u="none" strike="noStrike" cap="none" baseline="0" dirty="0">
+                <a:solidFill>
+                  <a:schemeClr val="lt1"/>
+                </a:solidFill>
+                <a:latin typeface="Courier"/>
+                <a:ea typeface="Courier"/>
+                <a:cs typeface="Courier"/>
+                <a:sym typeface="Courier New"/>
+              </a:rPr>
+              <a:t> </a:t>
+            </a:r>
+            <a:r>
+              <a:rPr lang="pl" sz="2800" b="0" i="0" u="none" baseline="0" dirty="0">
                 <a:solidFill>
                   <a:schemeClr val="lt1"/>
                 </a:solidFill>
@@ -23297,7 +23371,7 @@
               <a:t>'</a:t>
             </a:r>
             <a:r>
-              <a:rPr lang="pl" sz="2800" b="0" i="0" u="none" strike="noStrike" cap="none" baseline="0">
+              <a:rPr lang="pl" sz="2800" b="0" i="0" u="none" strike="noStrike" cap="none" baseline="0" dirty="0">
                 <a:solidFill>
                   <a:srgbClr val="FFFF00"/>
                 </a:solidFill>
@@ -23328,7 +23402,7 @@
               <a:buNone/>
             </a:pPr>
             <a:r>
-              <a:rPr lang="pl" sz="2800" b="0" i="0" u="none" strike="noStrike" cap="none" baseline="0">
+              <a:rPr lang="pl" sz="2800" b="0" i="0" u="none" strike="noStrike" cap="none" baseline="0" dirty="0">
                 <a:solidFill>
                   <a:srgbClr val="00FF00"/>
                 </a:solidFill>
@@ -23340,7 +23414,7 @@
               <a:t>usf</a:t>
             </a:r>
             <a:r>
-              <a:rPr lang="pl" sz="2800" b="0" i="0" u="none" strike="noStrike" cap="none" baseline="0">
+              <a:rPr lang="pl" sz="2800" b="0" i="0" u="none" strike="noStrike" cap="none" baseline="0" dirty="0">
                 <a:solidFill>
                   <a:schemeClr val="lt1"/>
                 </a:solidFill>
@@ -23352,7 +23426,7 @@
               <a:t> = </a:t>
             </a:r>
             <a:r>
-              <a:rPr lang="pl" sz="2800" b="0" i="0" u="none" strike="noStrike" cap="none" baseline="0">
+              <a:rPr lang="pl" sz="2800" b="0" i="0" u="none" strike="noStrike" cap="none" baseline="0" dirty="0">
                 <a:solidFill>
                   <a:srgbClr val="FFFF00"/>
                 </a:solidFill>
@@ -23364,7 +23438,7 @@
               <a:t>int(</a:t>
             </a:r>
             <a:r>
-              <a:rPr lang="pl" sz="2800" b="0" i="0" u="none" strike="noStrike" cap="none" baseline="0">
+              <a:rPr lang="pl" sz="2800" b="0" i="0" u="none" strike="noStrike" cap="none" baseline="0" dirty="0">
                 <a:solidFill>
                   <a:srgbClr val="00FF00"/>
                 </a:solidFill>
@@ -23376,7 +23450,7 @@
               <a:t>inp</a:t>
             </a:r>
             <a:r>
-              <a:rPr lang="pl" sz="2800" b="0" i="0" u="none" strike="noStrike" cap="none" baseline="0">
+              <a:rPr lang="pl" sz="2800" b="0" i="0" u="none" strike="noStrike" cap="none" baseline="0" dirty="0">
                 <a:solidFill>
                   <a:srgbClr val="FFFF00"/>
                 </a:solidFill>
@@ -23388,7 +23462,7 @@
               <a:t>)</a:t>
             </a:r>
             <a:r>
-              <a:rPr lang="pl" sz="2800" b="0" i="0" u="none" strike="noStrike" cap="none" baseline="0">
+              <a:rPr lang="pl" sz="2800" b="0" i="0" u="none" strike="noStrike" cap="none" baseline="0" dirty="0">
                 <a:solidFill>
                   <a:schemeClr val="lt1"/>
                 </a:solidFill>
@@ -23400,7 +23474,7 @@
               <a:t> </a:t>
             </a:r>
             <a:r>
-              <a:rPr lang="pl" sz="2800" b="0" i="0" u="none" strike="noStrike" cap="none" baseline="0">
+              <a:rPr lang="pl" sz="2800" b="0" i="0" u="none" strike="noStrike" cap="none" baseline="0" dirty="0">
                 <a:solidFill>
                   <a:srgbClr val="00FFFF"/>
                 </a:solidFill>
@@ -23412,7 +23486,7 @@
               <a:t>+</a:t>
             </a:r>
             <a:r>
-              <a:rPr lang="pl" sz="2800" b="0" i="0" u="none" strike="noStrike" cap="none" baseline="0">
+              <a:rPr lang="pl" sz="2800" b="0" i="0" u="none" strike="noStrike" cap="none" baseline="0" dirty="0">
                 <a:solidFill>
                   <a:schemeClr val="lt1"/>
                 </a:solidFill>
@@ -23443,7 +23517,7 @@
               <a:buNone/>
             </a:pPr>
             <a:r>
-              <a:rPr lang="pl" sz="2800" b="0" i="0" u="none" strike="noStrike" cap="none" baseline="0">
+              <a:rPr lang="pl" sz="2800" b="0" i="0" u="none" strike="noStrike" cap="none" baseline="0" dirty="0">
                 <a:solidFill>
                   <a:srgbClr val="FFFF00"/>
                 </a:solidFill>
@@ -23455,19 +23529,43 @@
               <a:t>print(</a:t>
             </a:r>
             <a:r>
-              <a:rPr lang="pl" sz="2800" b="0" i="0" u="none" strike="noStrike" cap="none" baseline="0">
-                <a:solidFill>
-                  <a:schemeClr val="lt1"/>
-                </a:solidFill>
-                <a:latin typeface="Courier"/>
-                <a:ea typeface="Courier"/>
-                <a:cs typeface="Courier"/>
-                <a:sym typeface="Courier New"/>
-              </a:rPr>
-              <a:t>'Amerykańskie piętro', </a:t>
-            </a:r>
-            <a:r>
-              <a:rPr lang="pl" sz="2800" b="0" i="0" u="none" strike="noStrike" cap="none" baseline="0">
+              <a:rPr lang="pl" sz="2800" b="0" i="0" u="none" strike="noStrike" cap="none" baseline="0" dirty="0">
+                <a:solidFill>
+                  <a:schemeClr val="lt1"/>
+                </a:solidFill>
+                <a:latin typeface="Courier"/>
+                <a:ea typeface="Courier"/>
+                <a:cs typeface="Courier"/>
+                <a:sym typeface="Courier New"/>
+              </a:rPr>
+              <a:t>'Amerykańskie piętro</a:t>
+            </a:r>
+            <a:r>
+              <a:rPr lang="en-US" sz="2800" b="0" i="0" u="none" strike="noStrike" cap="none" baseline="0" dirty="0">
+                <a:solidFill>
+                  <a:schemeClr val="lt1"/>
+                </a:solidFill>
+                <a:latin typeface="Courier"/>
+                <a:ea typeface="Courier"/>
+                <a:cs typeface="Courier"/>
+                <a:sym typeface="Courier New"/>
+              </a:rPr>
+              <a:t>:</a:t>
+            </a:r>
+            <a:r>
+              <a:rPr lang="pl" sz="2800" b="0" i="0" u="none" strike="noStrike" cap="none" baseline="0" dirty="0">
+                <a:solidFill>
+                  <a:schemeClr val="lt1"/>
+                </a:solidFill>
+                <a:latin typeface="Courier"/>
+                <a:ea typeface="Courier"/>
+                <a:cs typeface="Courier"/>
+                <a:sym typeface="Courier New"/>
+              </a:rPr>
+              <a:t>', </a:t>
+            </a:r>
+            <a:r>
+              <a:rPr lang="pl" sz="2800" b="0" i="0" u="none" strike="noStrike" cap="none" baseline="0" dirty="0">
                 <a:solidFill>
                   <a:srgbClr val="00FF00"/>
                 </a:solidFill>
@@ -23479,7 +23577,7 @@
               <a:t>usf</a:t>
             </a:r>
             <a:r>
-              <a:rPr lang="pl" sz="2800" b="0" i="0" u="none" strike="noStrike" cap="none" baseline="0">
+              <a:rPr lang="pl" sz="2800" b="0" i="0" u="none" strike="noStrike" cap="none" baseline="0" dirty="0">
                 <a:solidFill>
                   <a:srgbClr val="FFFF00"/>
                 </a:solidFill>
@@ -23510,8 +23608,8 @@
         </p:nvSpPr>
         <p:spPr>
           <a:xfrm>
-            <a:off x="10198100" y="6515100"/>
-            <a:ext cx="4569900" cy="1219199"/>
+            <a:off x="10198099" y="6515100"/>
+            <a:ext cx="4964563" cy="1219199"/>
           </a:xfrm>
           <a:prstGeom prst="rect">
             <a:avLst/>
@@ -23545,7 +23643,7 @@
               <a:buNone/>
             </a:pPr>
             <a:r>
-              <a:rPr lang="pl" sz="3800" b="0" i="0" u="none" strike="noStrike" cap="none" baseline="0">
+              <a:rPr lang="pl" sz="3800" b="0" i="0" u="none" strike="noStrike" cap="none" baseline="0" dirty="0">
                 <a:solidFill>
                   <a:schemeClr val="lt1"/>
                 </a:solidFill>
@@ -23557,7 +23655,7 @@
               <a:t>Europejskie piętro? </a:t>
             </a:r>
             <a:r>
-              <a:rPr lang="pl" sz="3800" b="0" i="0" u="none" strike="noStrike" cap="none" baseline="0">
+              <a:rPr lang="pl" sz="3800" b="0" i="0" u="none" strike="noStrike" cap="none" baseline="0" dirty="0">
                 <a:solidFill>
                   <a:srgbClr val="FFFF00"/>
                 </a:solidFill>
@@ -23588,7 +23686,7 @@
               <a:buNone/>
             </a:pPr>
             <a:r>
-              <a:rPr lang="pl" sz="3800" b="0" i="0" u="none" strike="noStrike" cap="none" baseline="0">
+              <a:rPr lang="pl" sz="3800" b="0" i="0" u="none" strike="noStrike" cap="none" baseline="0" dirty="0">
                 <a:solidFill>
                   <a:schemeClr val="lt1"/>
                 </a:solidFill>
@@ -23597,7 +23695,31 @@
                 <a:cs typeface="Arial" charset="0"/>
                 <a:sym typeface="Cabin"/>
               </a:rPr>
-              <a:t>Amerykańskie piętro 1</a:t>
+              <a:t>Amerykańskie piętro</a:t>
+            </a:r>
+            <a:r>
+              <a:rPr lang="en-US" sz="3800" b="0" i="0" u="none" strike="noStrike" cap="none" baseline="0" dirty="0">
+                <a:solidFill>
+                  <a:schemeClr val="lt1"/>
+                </a:solidFill>
+                <a:latin typeface="Arial" charset="0"/>
+                <a:ea typeface="Arial" charset="0"/>
+                <a:cs typeface="Arial" charset="0"/>
+                <a:sym typeface="Cabin"/>
+              </a:rPr>
+              <a:t>:</a:t>
+            </a:r>
+            <a:r>
+              <a:rPr lang="pl" sz="3800" b="0" i="0" u="none" strike="noStrike" cap="none" baseline="0" dirty="0">
+                <a:solidFill>
+                  <a:schemeClr val="lt1"/>
+                </a:solidFill>
+                <a:latin typeface="Arial" charset="0"/>
+                <a:ea typeface="Arial" charset="0"/>
+                <a:cs typeface="Arial" charset="0"/>
+                <a:sym typeface="Cabin"/>
+              </a:rPr>
+              <a:t> 1</a:t>
             </a:r>
           </a:p>
         </p:txBody>
@@ -24397,8 +24519,8 @@
         </p:nvSpPr>
         <p:spPr>
           <a:xfrm>
-            <a:off x="4241800" y="685801"/>
-            <a:ext cx="8234400" cy="7620000"/>
+            <a:off x="4241800" y="685800"/>
+            <a:ext cx="8450618" cy="8007823"/>
           </a:xfrm>
           <a:prstGeom prst="rect">
             <a:avLst/>
@@ -24432,7 +24554,7 @@
               <a:buNone/>
             </a:pPr>
             <a:r>
-              <a:rPr lang="pl" sz="2400" b="0" i="0" u="none" strike="noStrike" cap="none" baseline="0">
+              <a:rPr lang="pl" sz="2400" b="0" i="0" u="none" strike="noStrike" cap="none" baseline="0" dirty="0">
                 <a:solidFill>
                   <a:srgbClr val="FFFF00"/>
                 </a:solidFill>
@@ -24463,16 +24585,40 @@
               <a:buNone/>
             </a:pPr>
             <a:r>
-              <a:rPr lang="pl" sz="2400" b="0" i="0" u="none" strike="noStrike" cap="none" baseline="0">
-                <a:solidFill>
-                  <a:schemeClr val="lt1"/>
-                </a:solidFill>
-                <a:latin typeface="Courier"/>
-                <a:ea typeface="Courier"/>
-                <a:cs typeface="Courier"/>
-                <a:sym typeface="Courier New"/>
-              </a:rPr>
-              <a:t>name = input('Nazwa pliku:')</a:t>
+              <a:rPr lang="pl" sz="2400" b="0" i="0" u="none" strike="noStrike" cap="none" baseline="0" dirty="0">
+                <a:solidFill>
+                  <a:schemeClr val="lt1"/>
+                </a:solidFill>
+                <a:latin typeface="Courier"/>
+                <a:ea typeface="Courier"/>
+                <a:cs typeface="Courier"/>
+                <a:sym typeface="Courier New"/>
+              </a:rPr>
+              <a:t>name = input('</a:t>
+            </a:r>
+            <a:r>
+              <a:rPr lang="pl-PL" sz="2400" b="0" i="0" u="none" strike="noStrike" cap="none" baseline="0" dirty="0">
+                <a:solidFill>
+                  <a:schemeClr val="lt1"/>
+                </a:solidFill>
+                <a:latin typeface="Courier"/>
+                <a:ea typeface="Courier"/>
+                <a:cs typeface="Courier"/>
+                <a:sym typeface="Courier New"/>
+              </a:rPr>
+              <a:t>Podaj nazwę pliku: </a:t>
+            </a:r>
+            <a:r>
+              <a:rPr lang="pl" sz="2400" b="0" i="0" u="none" strike="noStrike" cap="none" baseline="0" dirty="0">
+                <a:solidFill>
+                  <a:schemeClr val="lt1"/>
+                </a:solidFill>
+                <a:latin typeface="Courier"/>
+                <a:ea typeface="Courier"/>
+                <a:cs typeface="Courier"/>
+                <a:sym typeface="Courier New"/>
+              </a:rPr>
+              <a:t>')</a:t>
             </a:r>
           </a:p>
           <a:p>
@@ -24494,7 +24640,7 @@
               <a:buNone/>
             </a:pPr>
             <a:r>
-              <a:rPr lang="pl" sz="2400" b="0" i="0" u="none" strike="noStrike" cap="none" baseline="0">
+              <a:rPr lang="pl" sz="2400" b="0" i="0" u="none" strike="noStrike" cap="none" baseline="0" dirty="0">
                 <a:solidFill>
                   <a:schemeClr val="lt1"/>
                 </a:solidFill>
@@ -24548,7 +24694,7 @@
               <a:buNone/>
             </a:pPr>
             <a:r>
-              <a:rPr lang="pl" sz="2400" b="0" i="0" u="none" strike="noStrike" cap="none" baseline="0">
+              <a:rPr lang="pl" sz="2400" b="0" i="0" u="none" strike="noStrike" cap="none" baseline="0" dirty="0">
                 <a:solidFill>
                   <a:srgbClr val="FFFF00"/>
                 </a:solidFill>
@@ -24568,7 +24714,7 @@
               <a:buSzPct val="25000"/>
             </a:pPr>
             <a:r>
-              <a:rPr lang="pl" sz="2400" b="0" i="0" u="none" baseline="0">
+              <a:rPr lang="pl" sz="2400" b="0" i="0" u="none" baseline="0" dirty="0">
                 <a:solidFill>
                   <a:srgbClr val="FFFFFF"/>
                 </a:solidFill>
@@ -24588,7 +24734,7 @@
               <a:buSzPct val="25000"/>
             </a:pPr>
             <a:r>
-              <a:rPr lang="pl" sz="2400" b="0" i="0" u="none" baseline="0">
+              <a:rPr lang="pl" sz="2400" b="0" i="0" u="none" baseline="0" dirty="0">
                 <a:solidFill>
                   <a:srgbClr val="FFFFFF"/>
                 </a:solidFill>
@@ -24599,6 +24745,15 @@
               </a:rPr>
               <a:t>for line in handle:</a:t>
             </a:r>
+            <a:endParaRPr lang="en-US" sz="2400" b="0" i="0" u="none" baseline="0" dirty="0">
+              <a:solidFill>
+                <a:srgbClr val="FFFFFF"/>
+              </a:solidFill>
+              <a:latin typeface="Courier"/>
+              <a:ea typeface="Courier"/>
+              <a:cs typeface="Courier"/>
+              <a:sym typeface="Courier New"/>
+            </a:endParaRPr>
           </a:p>
           <a:p>
             <a:pPr lvl="0" algn="l" rtl="0">
@@ -24608,7 +24763,7 @@
               <a:buSzPct val="25000"/>
             </a:pPr>
             <a:r>
-              <a:rPr lang="pl" sz="2400" b="0" i="0" u="none" baseline="0">
+              <a:rPr lang="en-US" sz="2400" dirty="0">
                 <a:solidFill>
                   <a:srgbClr val="FFFFFF"/>
                 </a:solidFill>
@@ -24617,6 +24772,59 @@
                 <a:cs typeface="Courier"/>
                 <a:sym typeface="Courier New"/>
               </a:rPr>
+              <a:t>    line = </a:t>
+            </a:r>
+            <a:r>
+              <a:rPr lang="en-US" sz="2400" dirty="0" err="1">
+                <a:solidFill>
+                  <a:srgbClr val="FFFFFF"/>
+                </a:solidFill>
+                <a:latin typeface="Courier"/>
+                <a:ea typeface="Courier"/>
+                <a:cs typeface="Courier"/>
+                <a:sym typeface="Courier New"/>
+              </a:rPr>
+              <a:t>line.lower</a:t>
+            </a:r>
+            <a:r>
+              <a:rPr lang="en-US" sz="2400" dirty="0">
+                <a:solidFill>
+                  <a:srgbClr val="FFFFFF"/>
+                </a:solidFill>
+                <a:latin typeface="Courier"/>
+                <a:ea typeface="Courier"/>
+                <a:cs typeface="Courier"/>
+                <a:sym typeface="Courier New"/>
+              </a:rPr>
+              <a:t>()</a:t>
+            </a:r>
+            <a:endParaRPr lang="pl" sz="2400" b="0" i="0" u="none" baseline="0" dirty="0">
+              <a:solidFill>
+                <a:srgbClr val="FFFFFF"/>
+              </a:solidFill>
+              <a:latin typeface="Courier"/>
+              <a:ea typeface="Courier"/>
+              <a:cs typeface="Courier"/>
+              <a:sym typeface="Courier New"/>
+            </a:endParaRPr>
+          </a:p>
+          <a:p>
+            <a:pPr lvl="0" algn="l" rtl="0">
+              <a:buClr>
+                <a:srgbClr val="FFFFFF"/>
+              </a:buClr>
+              <a:buSzPct val="25000"/>
+            </a:pPr>
+            <a:r>
+              <a:rPr lang="pl" sz="2400" b="0" i="0" u="none" baseline="0" dirty="0">
+                <a:solidFill>
+                  <a:srgbClr val="FFFFFF"/>
+                </a:solidFill>
+                <a:latin typeface="Courier"/>
+                <a:ea typeface="Courier"/>
+                <a:cs typeface="Courier"/>
+                <a:sym typeface="Courier New"/>
+              </a:rPr>
               <a:t>    words = line.split()</a:t>
             </a:r>
           </a:p>
@@ -24628,7 +24836,7 @@
               <a:buSzPct val="25000"/>
             </a:pPr>
             <a:r>
-              <a:rPr lang="pl" sz="2400" b="0" i="0" u="none" baseline="0">
+              <a:rPr lang="pl" sz="2400" b="0" i="0" u="none" baseline="0" dirty="0">
                 <a:solidFill>
                   <a:srgbClr val="FFFFFF"/>
                 </a:solidFill>
@@ -24648,7 +24856,7 @@
               <a:buSzPct val="25000"/>
             </a:pPr>
             <a:r>
-              <a:rPr lang="pl" sz="2400" b="0" i="0" u="none" baseline="0">
+              <a:rPr lang="pl" sz="2400" b="0" i="0" u="none" baseline="0" dirty="0">
                 <a:solidFill>
                   <a:srgbClr val="FFFFFF"/>
                 </a:solidFill>
@@ -24657,7 +24865,31 @@
                 <a:cs typeface="Courier"/>
                 <a:sym typeface="Courier New"/>
               </a:rPr>
-              <a:t>        counts[word] = counts.get(word,0) + 1</a:t>
+              <a:t>        counts[word] = counts.get(word,</a:t>
+            </a:r>
+            <a:r>
+              <a:rPr lang="en-US" sz="2400" b="0" i="0" u="none" baseline="0" dirty="0">
+                <a:solidFill>
+                  <a:srgbClr val="FFFFFF"/>
+                </a:solidFill>
+                <a:latin typeface="Courier"/>
+                <a:ea typeface="Courier"/>
+                <a:cs typeface="Courier"/>
+                <a:sym typeface="Courier New"/>
+              </a:rPr>
+              <a:t> </a:t>
+            </a:r>
+            <a:r>
+              <a:rPr lang="pl" sz="2400" b="0" i="0" u="none" baseline="0" dirty="0">
+                <a:solidFill>
+                  <a:srgbClr val="FFFFFF"/>
+                </a:solidFill>
+                <a:latin typeface="Courier"/>
+                <a:ea typeface="Courier"/>
+                <a:cs typeface="Courier"/>
+                <a:sym typeface="Courier New"/>
+              </a:rPr>
+              <a:t>0) + 1</a:t>
             </a:r>
           </a:p>
           <a:p>
@@ -24702,7 +24934,7 @@
               <a:buNone/>
             </a:pPr>
             <a:r>
-              <a:rPr lang="pl" sz="2400" b="0" i="0" u="none" strike="noStrike" cap="none" baseline="0">
+              <a:rPr lang="pl" sz="2400" b="0" i="0" u="none" strike="noStrike" cap="none" baseline="0" dirty="0">
                 <a:solidFill>
                   <a:srgbClr val="FFFF00"/>
                 </a:solidFill>
@@ -24733,7 +24965,7 @@
               <a:buNone/>
             </a:pPr>
             <a:r>
-              <a:rPr lang="pl" sz="2400" b="0" i="0" u="none" strike="noStrike" cap="none" baseline="0">
+              <a:rPr lang="pl" sz="2400" b="0" i="0" u="none" strike="noStrike" cap="none" baseline="0" dirty="0">
                 <a:solidFill>
                   <a:srgbClr val="FFFFFF"/>
                 </a:solidFill>
@@ -24764,7 +24996,7 @@
               <a:buNone/>
             </a:pPr>
             <a:r>
-              <a:rPr lang="pl" sz="2400" b="0" i="0" u="none" strike="noStrike" cap="none" baseline="0">
+              <a:rPr lang="pl" sz="2400" b="0" i="0" u="none" strike="noStrike" cap="none" baseline="0" dirty="0">
                 <a:solidFill>
                   <a:srgbClr val="FFFFFF"/>
                 </a:solidFill>
@@ -24795,7 +25027,7 @@
               <a:buNone/>
             </a:pPr>
             <a:r>
-              <a:rPr lang="pl" sz="2400" b="0" i="0" u="none" strike="noStrike" cap="none" baseline="0">
+              <a:rPr lang="en-US" sz="2400" b="0" i="0" u="none" strike="noStrike" cap="none" baseline="0" dirty="0">
                 <a:solidFill>
                   <a:srgbClr val="FFFFFF"/>
                 </a:solidFill>
@@ -24804,8 +25036,41 @@
                 <a:cs typeface="Courier"/>
                 <a:sym typeface="Courier New"/>
               </a:rPr>
-              <a:t>for word,count in counts.items():</a:t>
-            </a:r>
+              <a:t>for word, count in list(</a:t>
+            </a:r>
+            <a:r>
+              <a:rPr lang="en-US" sz="2400" b="0" i="0" u="none" strike="noStrike" cap="none" baseline="0" dirty="0" err="1">
+                <a:solidFill>
+                  <a:srgbClr val="FFFFFF"/>
+                </a:solidFill>
+                <a:latin typeface="Courier"/>
+                <a:ea typeface="Courier"/>
+                <a:cs typeface="Courier"/>
+                <a:sym typeface="Courier New"/>
+              </a:rPr>
+              <a:t>counts.items</a:t>
+            </a:r>
+            <a:r>
+              <a:rPr lang="en-US" sz="2400" b="0" i="0" u="none" strike="noStrike" cap="none" baseline="0" dirty="0">
+                <a:solidFill>
+                  <a:srgbClr val="FFFFFF"/>
+                </a:solidFill>
+                <a:latin typeface="Courier"/>
+                <a:ea typeface="Courier"/>
+                <a:cs typeface="Courier"/>
+                <a:sym typeface="Courier New"/>
+              </a:rPr>
+              <a:t>()):</a:t>
+            </a:r>
+            <a:endParaRPr lang="pl" sz="2400" b="0" i="0" u="none" strike="noStrike" cap="none" baseline="0" dirty="0">
+              <a:solidFill>
+                <a:srgbClr val="FFFFFF"/>
+              </a:solidFill>
+              <a:latin typeface="Courier"/>
+              <a:ea typeface="Courier"/>
+              <a:cs typeface="Courier"/>
+              <a:sym typeface="Courier New"/>
+            </a:endParaRPr>
           </a:p>
           <a:p>
             <a:pPr marL="0" marR="0" lvl="0" indent="0" algn="l" rtl="0">
@@ -24826,7 +25091,7 @@
               <a:buNone/>
             </a:pPr>
             <a:r>
-              <a:rPr lang="pl" sz="2400" b="0" i="0" u="none" strike="noStrike" cap="none" baseline="0">
+              <a:rPr lang="pl" sz="2400" b="0" i="0" u="none" strike="noStrike" cap="none" baseline="0" dirty="0">
                 <a:solidFill>
                   <a:srgbClr val="FFFFFF"/>
                 </a:solidFill>
@@ -24857,7 +25122,7 @@
               <a:buNone/>
             </a:pPr>
             <a:r>
-              <a:rPr lang="pl" sz="2400" b="0" i="0" u="none" strike="noStrike" cap="none" baseline="0">
+              <a:rPr lang="pl" sz="2400" b="0" i="0" u="none" strike="noStrike" cap="none" baseline="0" dirty="0">
                 <a:solidFill>
                   <a:srgbClr val="FFFFFF"/>
                 </a:solidFill>
@@ -24888,7 +25153,7 @@
               <a:buNone/>
             </a:pPr>
             <a:r>
-              <a:rPr lang="pl" sz="2400" b="0" i="0" u="none" strike="noStrike" cap="none" baseline="0">
+              <a:rPr lang="pl" sz="2400" b="0" i="0" u="none" strike="noStrike" cap="none" baseline="0" dirty="0">
                 <a:solidFill>
                   <a:srgbClr val="FFFFFF"/>
                 </a:solidFill>
@@ -24942,7 +25207,7 @@
               <a:buNone/>
             </a:pPr>
             <a:r>
-              <a:rPr lang="pl" sz="2400" b="0" i="0" u="none" strike="noStrike" cap="none" baseline="0">
+              <a:rPr lang="pl" sz="2400" b="0" i="0" u="none" strike="noStrike" cap="none" baseline="0" dirty="0">
                 <a:solidFill>
                   <a:srgbClr val="FFFF00"/>
                 </a:solidFill>
@@ -24954,7 +25219,7 @@
               <a:t># Wszystko </a:t>
             </a:r>
             <a:r>
-              <a:rPr lang="pl" sz="2400" b="0" i="0" u="none" baseline="0">
+              <a:rPr lang="pl" sz="2400" b="0" i="0" u="none" baseline="0" dirty="0">
                 <a:solidFill>
                   <a:srgbClr val="FFFF00"/>
                 </a:solidFill>
@@ -24966,7 +25231,7 @@
               <a:t>g</a:t>
             </a:r>
             <a:r>
-              <a:rPr lang="pl" sz="2400" b="0" i="0" u="none" strike="noStrike" cap="none" baseline="0">
+              <a:rPr lang="pl" sz="2400" b="0" i="0" u="none" strike="noStrike" cap="none" baseline="0" dirty="0">
                 <a:solidFill>
                   <a:srgbClr val="FFFF00"/>
                 </a:solidFill>
@@ -25006,7 +25271,7 @@
               <a:buNone/>
             </a:pPr>
             <a:r>
-              <a:rPr lang="pl" sz="2400" b="0" i="0" u="none" baseline="0">
+              <a:rPr lang="pl" sz="2400" b="0" i="0" u="none" baseline="0" dirty="0">
                 <a:solidFill>
                   <a:srgbClr val="FFFFFF"/>
                 </a:solidFill>
@@ -25018,7 +25283,7 @@
               <a:t>p</a:t>
             </a:r>
             <a:r>
-              <a:rPr lang="pl" sz="2400" b="0" i="0" u="none" strike="noStrike" cap="none" baseline="0">
+              <a:rPr lang="pl" sz="2400" b="0" i="0" u="none" strike="noStrike" cap="none" baseline="0" dirty="0">
                 <a:solidFill>
                   <a:srgbClr val="FFFFFF"/>
                 </a:solidFill>
@@ -26114,8 +26379,77 @@
                   <a:srgbClr val="FFFFFF"/>
                 </a:solidFill>
               </a:rPr>
-              <a:t>Autorstwo pierwszej wersji: Charles Severance, University of Michigan School of Information</a:t>
-            </a:r>
+              <a:t>Autorstwo pierwszej wersji: Charles Severance, </a:t>
+            </a:r>
+            <a:br>
+              <a:rPr lang="en-US" sz="1800" b="0" i="0" u="none" baseline="0" dirty="0">
+                <a:solidFill>
+                  <a:srgbClr val="FFFFFF"/>
+                </a:solidFill>
+              </a:rPr>
+            </a:br>
+            <a:r>
+              <a:rPr lang="pl" sz="1800" b="0" i="0" u="none" baseline="0" dirty="0">
+                <a:solidFill>
+                  <a:srgbClr val="FFFFFF"/>
+                </a:solidFill>
+              </a:rPr>
+              <a:t>University of Michigan School of Information</a:t>
+            </a:r>
+            <a:endParaRPr lang="en-US" sz="1800" b="0" i="0" u="none" baseline="0" dirty="0">
+              <a:solidFill>
+                <a:srgbClr val="FFFFFF"/>
+              </a:solidFill>
+            </a:endParaRPr>
+          </a:p>
+          <a:p>
+            <a:pPr lvl="0" algn="l" rtl="0">
+              <a:spcBef>
+                <a:spcPts val="0"/>
+              </a:spcBef>
+              <a:buNone/>
+            </a:pPr>
+            <a:endParaRPr lang="en-US" sz="1800" dirty="0">
+              <a:solidFill>
+                <a:srgbClr val="FFFFFF"/>
+              </a:solidFill>
+            </a:endParaRPr>
+          </a:p>
+          <a:p>
+            <a:pPr lvl="0" algn="l" rtl="0">
+              <a:spcBef>
+                <a:spcPts val="0"/>
+              </a:spcBef>
+              <a:buNone/>
+            </a:pPr>
+            <a:r>
+              <a:rPr lang="pl-PL" sz="1800" dirty="0">
+                <a:solidFill>
+                  <a:srgbClr val="FFFFFF"/>
+                </a:solidFill>
+              </a:rPr>
+              <a:t>Polska wersja powstała z inicjatywy Wydziału Matematyki </a:t>
+            </a:r>
+            <a:br>
+              <a:rPr lang="en-US" sz="1800" dirty="0">
+                <a:solidFill>
+                  <a:srgbClr val="FFFFFF"/>
+                </a:solidFill>
+              </a:rPr>
+            </a:br>
+            <a:r>
+              <a:rPr lang="pl-PL" sz="1800" dirty="0">
+                <a:solidFill>
+                  <a:srgbClr val="FFFFFF"/>
+                </a:solidFill>
+              </a:rPr>
+              <a:t>i Informatyki Uniwersytetu im. Adama Mickiewicza w Poznaniu</a:t>
+            </a:r>
+            <a:endParaRPr lang="en-US" sz="1800" dirty="0">
+              <a:solidFill>
+                <a:srgbClr val="FFFFFF"/>
+              </a:solidFill>
+            </a:endParaRPr>
           </a:p>
           <a:p>
             <a:pPr lvl="0" algn="l" rtl="0">
@@ -26143,23 +26477,7 @@
                   <a:srgbClr val="FFFFFF"/>
                 </a:solidFill>
               </a:rPr>
-              <a:t>Tłumaczenie</a:t>
-            </a:r>
-            <a:r>
-              <a:rPr lang="pl" sz="1800" b="0" i="0" u="none" baseline="0">
-                <a:solidFill>
-                  <a:srgbClr val="FFFFFF"/>
-                </a:solidFill>
-              </a:rPr>
-              <a:t>: Agata i Krzysztof Wierzbiccy</a:t>
-            </a:r>
-            <a:r>
-              <a:rPr lang="pl" sz="1800" b="0" i="0" u="none" baseline="0" dirty="0">
-                <a:solidFill>
-                  <a:srgbClr val="FFFFFF"/>
-                </a:solidFill>
-              </a:rPr>
-              <a:t>, EnglishT.eu </a:t>
+              <a:t>Tłumaczenie: Agata i Krzysztof Wierzbiccy, EnglishT.eu </a:t>
             </a:r>
           </a:p>
           <a:p>
@@ -26529,8 +26847,8 @@
         </p:nvSpPr>
         <p:spPr>
           <a:xfrm>
-            <a:off x="9534525" y="5280014"/>
-            <a:ext cx="444500" cy="863599"/>
+            <a:off x="9518650" y="5280014"/>
+            <a:ext cx="460375" cy="863599"/>
           </a:xfrm>
           <a:prstGeom prst="rect">
             <a:avLst/>
@@ -26586,7 +26904,7 @@
         </p:nvSpPr>
         <p:spPr>
           <a:xfrm>
-            <a:off x="10350500" y="6721464"/>
+            <a:off x="10388600" y="6721464"/>
             <a:ext cx="5016500" cy="1270000"/>
           </a:xfrm>
           <a:prstGeom prst="rect">
@@ -26662,7 +26980,7 @@
         <p:spPr>
           <a:xfrm>
             <a:off x="9518650" y="6924664"/>
-            <a:ext cx="404811" cy="863599"/>
+            <a:ext cx="460375" cy="863599"/>
           </a:xfrm>
           <a:prstGeom prst="rect">
             <a:avLst/>
@@ -26696,7 +27014,7 @@
               <a:buNone/>
             </a:pPr>
             <a:r>
-              <a:rPr lang="pl" sz="5200" b="0" i="0" u="none" strike="noStrike" cap="none" baseline="0">
+              <a:rPr lang="pl" sz="5200" b="0" i="0" u="none" strike="noStrike" cap="none" baseline="0" dirty="0">
                 <a:solidFill>
                   <a:srgbClr val="00FF00"/>
                 </a:solidFill>
@@ -27288,8 +27606,8 @@
         </p:nvSpPr>
         <p:spPr>
           <a:xfrm>
-            <a:off x="9534525" y="5280014"/>
-            <a:ext cx="444500" cy="863599"/>
+            <a:off x="9518650" y="5280014"/>
+            <a:ext cx="460375" cy="863599"/>
           </a:xfrm>
           <a:prstGeom prst="rect">
             <a:avLst/>
@@ -27323,7 +27641,7 @@
               <a:buNone/>
             </a:pPr>
             <a:r>
-              <a:rPr lang="pl" sz="5200" b="0" i="0" u="none" strike="noStrike" cap="none" baseline="0">
+              <a:rPr lang="pl" sz="5200" b="0" i="0" u="none" strike="noStrike" cap="none" baseline="0" dirty="0">
                 <a:solidFill>
                   <a:srgbClr val="00FF00"/>
                 </a:solidFill>
@@ -27345,7 +27663,7 @@
         </p:nvSpPr>
         <p:spPr>
           <a:xfrm>
-            <a:off x="10350500" y="6721464"/>
+            <a:off x="10388600" y="6721464"/>
             <a:ext cx="5016500" cy="1270000"/>
           </a:xfrm>
           <a:prstGeom prst="rect">
@@ -27421,7 +27739,7 @@
         <p:spPr>
           <a:xfrm>
             <a:off x="9518650" y="6924664"/>
-            <a:ext cx="404811" cy="863599"/>
+            <a:ext cx="460375" cy="863599"/>
           </a:xfrm>
           <a:prstGeom prst="rect">
             <a:avLst/>
@@ -27455,7 +27773,7 @@
               <a:buNone/>
             </a:pPr>
             <a:r>
-              <a:rPr lang="pl" sz="5200" b="0" i="0" u="none" strike="noStrike" cap="none" baseline="0">
+              <a:rPr lang="pl" sz="5200" b="0" i="0" u="none" strike="noStrike" cap="none" baseline="0" dirty="0">
                 <a:solidFill>
                   <a:srgbClr val="00FF00"/>
                 </a:solidFill>
